--- a/07 - ReactJS/05 - Routing/00 - Presentation/04.-React-JS-Routing.pptx
+++ b/07 - ReactJS/05 - Routing/00 - Presentation/04.-React-JS-Routing.pptx
@@ -333,7 +333,7 @@
           <a:p>
             <a:fld id="{4E087215-0C8F-4762-A664-737A353EC9A4}" type="datetimeFigureOut">
               <a:rPr lang="bg-BG" smtClean="0"/>
-              <a:t>1.10.2021 г.</a:t>
+              <a:t>20.11.2021 г.</a:t>
             </a:fld>
             <a:endParaRPr lang="bg-BG"/>
           </a:p>
@@ -524,7 +524,7 @@
           <a:p>
             <a:fld id="{72D84649-876A-46C9-8472-14CB09C070D8}" type="datetimeFigureOut">
               <a:rPr lang="en-US" smtClean="0"/>
-              <a:t>10/1/2021</a:t>
+              <a:t>20-Nov-21</a:t>
             </a:fld>
             <a:endParaRPr lang="en-US"/>
           </a:p>
@@ -27979,7 +27979,7 @@
                   <a:schemeClr val="bg1"/>
                 </a:solidFill>
               </a:rPr>
-              <a:t>SPA's</a:t>
+              <a:t>SPAs</a:t>
             </a:r>
           </a:p>
           <a:p>
